--- a/#CULTURANGPILIPINAS.pptx
+++ b/#CULTURANGPILIPINAS.pptx
@@ -8,10 +8,14 @@
     <p:sldId id="256" r:id="rId2"/>
     <p:sldId id="257" r:id="rId3"/>
     <p:sldId id="258" r:id="rId4"/>
-    <p:sldId id="259" r:id="rId5"/>
-    <p:sldId id="260" r:id="rId6"/>
-    <p:sldId id="261" r:id="rId7"/>
-    <p:sldId id="262" r:id="rId8"/>
+    <p:sldId id="264" r:id="rId5"/>
+    <p:sldId id="265" r:id="rId6"/>
+    <p:sldId id="259" r:id="rId7"/>
+    <p:sldId id="260" r:id="rId8"/>
+    <p:sldId id="263" r:id="rId9"/>
+    <p:sldId id="261" r:id="rId10"/>
+    <p:sldId id="262" r:id="rId11"/>
+    <p:sldId id="266" r:id="rId12"/>
   </p:sldIdLst>
   <p:sldSz cx="9144000" cy="6858000" type="screen4x3"/>
   <p:notesSz cx="6858000" cy="9144000"/>
@@ -300,7 +304,8 @@
           <a:p>
             <a:fld id="{CFC4C2EC-FA78-4195-A590-3BE95358FCA5}" type="datetimeFigureOut">
               <a:rPr lang="en-US" smtClean="0"/>
-              <a:t>1/27/2018</a:t>
+              <a:pPr/>
+              <a:t>1/28/2018</a:t>
             </a:fld>
             <a:endParaRPr lang="en-US"/>
           </a:p>
@@ -323,6 +328,7 @@
           <a:p>
             <a:fld id="{EF745C67-8D55-40A1-A3D1-6C6690B16EE2}" type="slidenum">
               <a:rPr lang="en-US" smtClean="0"/>
+              <a:pPr/>
               <a:t>‹#›</a:t>
             </a:fld>
             <a:endParaRPr lang="en-US"/>
@@ -465,7 +471,8 @@
           <a:p>
             <a:fld id="{CFC4C2EC-FA78-4195-A590-3BE95358FCA5}" type="datetimeFigureOut">
               <a:rPr lang="en-US" smtClean="0"/>
-              <a:t>1/27/2018</a:t>
+              <a:pPr/>
+              <a:t>1/28/2018</a:t>
             </a:fld>
             <a:endParaRPr lang="en-US"/>
           </a:p>
@@ -507,6 +514,7 @@
           <a:p>
             <a:fld id="{EF745C67-8D55-40A1-A3D1-6C6690B16EE2}" type="slidenum">
               <a:rPr lang="en-US" smtClean="0"/>
+              <a:pPr/>
               <a:t>‹#›</a:t>
             </a:fld>
             <a:endParaRPr lang="en-US"/>
@@ -640,7 +648,8 @@
           <a:p>
             <a:fld id="{CFC4C2EC-FA78-4195-A590-3BE95358FCA5}" type="datetimeFigureOut">
               <a:rPr lang="en-US" smtClean="0"/>
-              <a:t>1/27/2018</a:t>
+              <a:pPr/>
+              <a:t>1/28/2018</a:t>
             </a:fld>
             <a:endParaRPr lang="en-US"/>
           </a:p>
@@ -682,6 +691,7 @@
           <a:p>
             <a:fld id="{EF745C67-8D55-40A1-A3D1-6C6690B16EE2}" type="slidenum">
               <a:rPr lang="en-US" smtClean="0"/>
+              <a:pPr/>
               <a:t>‹#›</a:t>
             </a:fld>
             <a:endParaRPr lang="en-US"/>
@@ -805,7 +815,8 @@
           <a:p>
             <a:fld id="{CFC4C2EC-FA78-4195-A590-3BE95358FCA5}" type="datetimeFigureOut">
               <a:rPr lang="en-US" smtClean="0"/>
-              <a:t>1/27/2018</a:t>
+              <a:pPr/>
+              <a:t>1/28/2018</a:t>
             </a:fld>
             <a:endParaRPr lang="en-US"/>
           </a:p>
@@ -847,6 +858,7 @@
           <a:p>
             <a:fld id="{EF745C67-8D55-40A1-A3D1-6C6690B16EE2}" type="slidenum">
               <a:rPr lang="en-US" smtClean="0"/>
+              <a:pPr/>
               <a:t>‹#›</a:t>
             </a:fld>
             <a:endParaRPr lang="en-US"/>
@@ -1044,7 +1056,8 @@
           <a:p>
             <a:fld id="{CFC4C2EC-FA78-4195-A590-3BE95358FCA5}" type="datetimeFigureOut">
               <a:rPr lang="en-US" smtClean="0"/>
-              <a:t>1/27/2018</a:t>
+              <a:pPr/>
+              <a:t>1/28/2018</a:t>
             </a:fld>
             <a:endParaRPr lang="en-US"/>
           </a:p>
@@ -1086,6 +1099,7 @@
           <a:p>
             <a:fld id="{EF745C67-8D55-40A1-A3D1-6C6690B16EE2}" type="slidenum">
               <a:rPr lang="en-US" smtClean="0"/>
+              <a:pPr/>
               <a:t>‹#›</a:t>
             </a:fld>
             <a:endParaRPr lang="en-US"/>
@@ -1134,7 +1148,8 @@
           <a:p>
             <a:fld id="{CFC4C2EC-FA78-4195-A590-3BE95358FCA5}" type="datetimeFigureOut">
               <a:rPr lang="en-US" smtClean="0"/>
-              <a:t>1/27/2018</a:t>
+              <a:pPr/>
+              <a:t>1/28/2018</a:t>
             </a:fld>
             <a:endParaRPr lang="en-US"/>
           </a:p>
@@ -1176,6 +1191,7 @@
           <a:p>
             <a:fld id="{EF745C67-8D55-40A1-A3D1-6C6690B16EE2}" type="slidenum">
               <a:rPr lang="en-US" smtClean="0"/>
+              <a:pPr/>
               <a:t>‹#›</a:t>
             </a:fld>
             <a:endParaRPr lang="en-US"/>
@@ -1508,7 +1524,8 @@
           <a:p>
             <a:fld id="{CFC4C2EC-FA78-4195-A590-3BE95358FCA5}" type="datetimeFigureOut">
               <a:rPr lang="en-US" smtClean="0"/>
-              <a:t>1/27/2018</a:t>
+              <a:pPr/>
+              <a:t>1/28/2018</a:t>
             </a:fld>
             <a:endParaRPr lang="en-US"/>
           </a:p>
@@ -1550,6 +1567,7 @@
           <a:p>
             <a:fld id="{EF745C67-8D55-40A1-A3D1-6C6690B16EE2}" type="slidenum">
               <a:rPr lang="en-US" smtClean="0"/>
+              <a:pPr/>
               <a:t>‹#›</a:t>
             </a:fld>
             <a:endParaRPr lang="en-US"/>
@@ -1763,7 +1781,8 @@
           <a:p>
             <a:fld id="{CFC4C2EC-FA78-4195-A590-3BE95358FCA5}" type="datetimeFigureOut">
               <a:rPr lang="en-US" smtClean="0"/>
-              <a:t>1/27/2018</a:t>
+              <a:pPr/>
+              <a:t>1/28/2018</a:t>
             </a:fld>
             <a:endParaRPr lang="en-US"/>
           </a:p>
@@ -1805,6 +1824,7 @@
           <a:p>
             <a:fld id="{EF745C67-8D55-40A1-A3D1-6C6690B16EE2}" type="slidenum">
               <a:rPr lang="en-US" smtClean="0"/>
+              <a:pPr/>
               <a:t>‹#›</a:t>
             </a:fld>
             <a:endParaRPr lang="en-US"/>
@@ -1853,7 +1873,8 @@
           <a:p>
             <a:fld id="{CFC4C2EC-FA78-4195-A590-3BE95358FCA5}" type="datetimeFigureOut">
               <a:rPr lang="en-US" smtClean="0"/>
-              <a:t>1/27/2018</a:t>
+              <a:pPr/>
+              <a:t>1/28/2018</a:t>
             </a:fld>
             <a:endParaRPr lang="en-US"/>
           </a:p>
@@ -1895,6 +1916,7 @@
           <a:p>
             <a:fld id="{EF745C67-8D55-40A1-A3D1-6C6690B16EE2}" type="slidenum">
               <a:rPr lang="en-US" smtClean="0"/>
+              <a:pPr/>
               <a:t>‹#›</a:t>
             </a:fld>
             <a:endParaRPr lang="en-US"/>
@@ -2127,7 +2149,8 @@
           <a:p>
             <a:fld id="{CFC4C2EC-FA78-4195-A590-3BE95358FCA5}" type="datetimeFigureOut">
               <a:rPr lang="en-US" smtClean="0"/>
-              <a:t>1/27/2018</a:t>
+              <a:pPr/>
+              <a:t>1/28/2018</a:t>
             </a:fld>
             <a:endParaRPr lang="en-US"/>
           </a:p>
@@ -2169,6 +2192,7 @@
           <a:p>
             <a:fld id="{EF745C67-8D55-40A1-A3D1-6C6690B16EE2}" type="slidenum">
               <a:rPr lang="en-US" smtClean="0"/>
+              <a:pPr/>
               <a:t>‹#›</a:t>
             </a:fld>
             <a:endParaRPr lang="en-US"/>
@@ -2399,7 +2423,8 @@
           <a:p>
             <a:fld id="{CFC4C2EC-FA78-4195-A590-3BE95358FCA5}" type="datetimeFigureOut">
               <a:rPr lang="en-US" smtClean="0"/>
-              <a:t>1/27/2018</a:t>
+              <a:pPr/>
+              <a:t>1/28/2018</a:t>
             </a:fld>
             <a:endParaRPr lang="en-US"/>
           </a:p>
@@ -2441,6 +2466,7 @@
           <a:p>
             <a:fld id="{EF745C67-8D55-40A1-A3D1-6C6690B16EE2}" type="slidenum">
               <a:rPr lang="en-US" smtClean="0"/>
+              <a:pPr/>
               <a:t>‹#›</a:t>
             </a:fld>
             <a:endParaRPr lang="en-US"/>
@@ -2699,7 +2725,8 @@
           <a:p>
             <a:fld id="{CFC4C2EC-FA78-4195-A590-3BE95358FCA5}" type="datetimeFigureOut">
               <a:rPr lang="en-US" smtClean="0"/>
-              <a:t>1/27/2018</a:t>
+              <a:pPr/>
+              <a:t>1/28/2018</a:t>
             </a:fld>
             <a:endParaRPr lang="en-US"/>
           </a:p>
@@ -2738,6 +2765,7 @@
           <a:p>
             <a:fld id="{EF745C67-8D55-40A1-A3D1-6C6690B16EE2}" type="slidenum">
               <a:rPr lang="en-US" smtClean="0"/>
+              <a:pPr/>
               <a:t>‹#›</a:t>
             </a:fld>
             <a:endParaRPr lang="en-US"/>
@@ -3148,43 +3176,88 @@
           <a:chExt cx="0" cy="0"/>
         </a:xfrm>
       </p:grpSpPr>
-      <p:sp>
-        <p:nvSpPr>
-          <p:cNvPr id="2" name="Title 1"/>
-          <p:cNvSpPr>
-            <a:spLocks noGrp="1"/>
-          </p:cNvSpPr>
-          <p:nvPr>
-            <p:ph type="ctrTitle"/>
-          </p:nvPr>
-        </p:nvSpPr>
-        <p:spPr/>
-        <p:txBody>
-          <a:bodyPr/>
-          <a:lstStyle/>
-          <a:p>
-            <a:r>
-              <a:rPr lang="en-US" dirty="0" smtClean="0"/>
-              <a:t>#CULTURANGPILIPINAS</a:t>
-            </a:r>
-            <a:endParaRPr lang="en-US" dirty="0"/>
-          </a:p>
-        </p:txBody>
-      </p:sp>
-      <p:sp>
-        <p:nvSpPr>
-          <p:cNvPr id="3" name="Subtitle 2"/>
-          <p:cNvSpPr>
-            <a:spLocks noGrp="1"/>
-          </p:cNvSpPr>
-          <p:nvPr>
-            <p:ph type="subTitle" idx="1"/>
-          </p:nvPr>
-        </p:nvSpPr>
+      <p:pic>
+        <p:nvPicPr>
+          <p:cNvPr id="4" name="Picture 3" descr="opo.png"/>
+          <p:cNvPicPr>
+            <a:picLocks noChangeAspect="1"/>
+          </p:cNvPicPr>
+          <p:nvPr/>
+        </p:nvPicPr>
+        <p:blipFill>
+          <a:blip r:embed="rId2" cstate="print">
+            <a:lum bright="34000" contrast="-34000"/>
+          </a:blip>
+          <a:stretch>
+            <a:fillRect/>
+          </a:stretch>
+        </p:blipFill>
         <p:spPr>
           <a:xfrm>
-            <a:off x="685800" y="1752600"/>
-            <a:ext cx="7467600" cy="1752600"/>
+            <a:off x="0" y="0"/>
+            <a:ext cx="9144000" cy="6858000"/>
+          </a:xfrm>
+          <a:prstGeom prst="rect">
+            <a:avLst/>
+          </a:prstGeom>
+        </p:spPr>
+      </p:pic>
+      <p:sp>
+        <p:nvSpPr>
+          <p:cNvPr id="2" name="Title 1"/>
+          <p:cNvSpPr>
+            <a:spLocks noGrp="1"/>
+          </p:cNvSpPr>
+          <p:nvPr>
+            <p:ph type="ctrTitle"/>
+          </p:nvPr>
+        </p:nvSpPr>
+        <p:spPr>
+          <a:xfrm>
+            <a:off x="228600" y="457200"/>
+            <a:ext cx="8610600" cy="2595025"/>
+          </a:xfrm>
+        </p:spPr>
+        <p:txBody>
+          <a:bodyPr>
+            <a:normAutofit/>
+          </a:bodyPr>
+          <a:lstStyle/>
+          <a:p>
+            <a:r>
+              <a:rPr lang="en-US" sz="5500" b="1" dirty="0" smtClean="0">
+                <a:solidFill>
+                  <a:schemeClr val="accent5">
+                    <a:lumMod val="50000"/>
+                  </a:schemeClr>
+                </a:solidFill>
+              </a:rPr>
+              <a:t>#CULTURANGPILIPINAS</a:t>
+            </a:r>
+            <a:endParaRPr lang="en-US" sz="5500" b="1" dirty="0">
+              <a:solidFill>
+                <a:schemeClr val="accent5">
+                  <a:lumMod val="50000"/>
+                </a:schemeClr>
+              </a:solidFill>
+            </a:endParaRPr>
+          </a:p>
+        </p:txBody>
+      </p:sp>
+      <p:sp>
+        <p:nvSpPr>
+          <p:cNvPr id="3" name="Subtitle 2"/>
+          <p:cNvSpPr>
+            <a:spLocks noGrp="1"/>
+          </p:cNvSpPr>
+          <p:nvPr>
+            <p:ph type="subTitle" idx="1"/>
+          </p:nvPr>
+        </p:nvSpPr>
+        <p:spPr>
+          <a:xfrm>
+            <a:off x="533400" y="3581400"/>
+            <a:ext cx="8001000" cy="2438400"/>
           </a:xfrm>
         </p:spPr>
         <p:txBody>
@@ -3194,61 +3267,347 @@
           <a:lstStyle/>
           <a:p>
             <a:r>
-              <a:rPr lang="en-US" sz="3000" dirty="0" err="1" smtClean="0"/>
+              <a:rPr lang="en-US" sz="3000" b="1" dirty="0" err="1" smtClean="0">
+                <a:solidFill>
+                  <a:schemeClr val="accent5">
+                    <a:lumMod val="50000"/>
+                  </a:schemeClr>
+                </a:solidFill>
+              </a:rPr>
               <a:t>Domasig</a:t>
             </a:r>
             <a:r>
-              <a:rPr lang="en-US" sz="3000" dirty="0" smtClean="0"/>
-              <a:t>, Prince</a:t>
-            </a:r>
-          </a:p>
-          <a:p>
-            <a:r>
-              <a:rPr lang="en-US" sz="3000" dirty="0" smtClean="0"/>
-              <a:t>Fortuna, </a:t>
-            </a:r>
-            <a:r>
-              <a:rPr lang="en-US" sz="3000" dirty="0" err="1" smtClean="0"/>
+              <a:rPr lang="en-US" sz="3000" b="1" dirty="0" smtClean="0">
+                <a:solidFill>
+                  <a:schemeClr val="accent5">
+                    <a:lumMod val="50000"/>
+                  </a:schemeClr>
+                </a:solidFill>
+              </a:rPr>
+              <a:t>, </a:t>
+            </a:r>
+            <a:r>
+              <a:rPr lang="en-US" sz="3000" b="1" dirty="0" smtClean="0">
+                <a:solidFill>
+                  <a:schemeClr val="accent5">
+                    <a:lumMod val="50000"/>
+                  </a:schemeClr>
+                </a:solidFill>
+              </a:rPr>
+              <a:t>Prince</a:t>
+            </a:r>
+            <a:endParaRPr lang="en-US" sz="3000" b="1" dirty="0" smtClean="0">
+              <a:solidFill>
+                <a:schemeClr val="accent5">
+                  <a:lumMod val="50000"/>
+                </a:schemeClr>
+              </a:solidFill>
+            </a:endParaRPr>
+          </a:p>
+          <a:p>
+            <a:endParaRPr lang="en-US" sz="3000" b="1" dirty="0" smtClean="0">
+              <a:solidFill>
+                <a:schemeClr val="accent5">
+                  <a:lumMod val="50000"/>
+                </a:schemeClr>
+              </a:solidFill>
+            </a:endParaRPr>
+          </a:p>
+          <a:p>
+            <a:r>
+              <a:rPr lang="en-US" sz="3000" b="1" dirty="0" smtClean="0">
+                <a:solidFill>
+                  <a:schemeClr val="accent5">
+                    <a:lumMod val="50000"/>
+                  </a:schemeClr>
+                </a:solidFill>
+              </a:rPr>
+              <a:t>Fortuna</a:t>
+            </a:r>
+            <a:r>
+              <a:rPr lang="en-US" sz="3000" b="1" dirty="0" smtClean="0">
+                <a:solidFill>
+                  <a:schemeClr val="accent5">
+                    <a:lumMod val="50000"/>
+                  </a:schemeClr>
+                </a:solidFill>
+              </a:rPr>
+              <a:t>, </a:t>
+            </a:r>
+            <a:r>
+              <a:rPr lang="en-US" sz="3000" b="1" dirty="0" err="1" smtClean="0">
+                <a:solidFill>
+                  <a:schemeClr val="accent5">
+                    <a:lumMod val="50000"/>
+                  </a:schemeClr>
+                </a:solidFill>
+              </a:rPr>
               <a:t>Zaphaneth</a:t>
             </a:r>
-            <a:endParaRPr lang="en-US" sz="3000" dirty="0" smtClean="0"/>
-          </a:p>
-          <a:p>
-            <a:endParaRPr lang="en-US" sz="3000" dirty="0"/>
-          </a:p>
-          <a:p>
-            <a:r>
-              <a:rPr lang="en-US" sz="3000" dirty="0" err="1" smtClean="0"/>
+            <a:endParaRPr lang="en-US" sz="3000" b="1" dirty="0" smtClean="0">
+              <a:solidFill>
+                <a:schemeClr val="accent5">
+                  <a:lumMod val="50000"/>
+                </a:schemeClr>
+              </a:solidFill>
+            </a:endParaRPr>
+          </a:p>
+          <a:p>
+            <a:endParaRPr lang="en-US" sz="3000" b="1" dirty="0">
+              <a:solidFill>
+                <a:schemeClr val="accent5">
+                  <a:lumMod val="50000"/>
+                </a:schemeClr>
+              </a:solidFill>
+            </a:endParaRPr>
+          </a:p>
+          <a:p>
+            <a:r>
+              <a:rPr lang="en-US" sz="3000" b="1" dirty="0" err="1" smtClean="0">
+                <a:solidFill>
+                  <a:schemeClr val="accent5">
+                    <a:lumMod val="50000"/>
+                  </a:schemeClr>
+                </a:solidFill>
+              </a:rPr>
               <a:t>Palce</a:t>
             </a:r>
             <a:r>
-              <a:rPr lang="en-US" sz="3000" dirty="0" smtClean="0"/>
-              <a:t>, Louise</a:t>
-            </a:r>
-          </a:p>
-          <a:p>
-            <a:r>
-              <a:rPr lang="en-US" sz="3000" dirty="0" err="1" smtClean="0"/>
+              <a:rPr lang="en-US" sz="3000" b="1" dirty="0" smtClean="0">
+                <a:solidFill>
+                  <a:schemeClr val="accent5">
+                    <a:lumMod val="50000"/>
+                  </a:schemeClr>
+                </a:solidFill>
+              </a:rPr>
+              <a:t>, </a:t>
+            </a:r>
+            <a:r>
+              <a:rPr lang="en-US" sz="3000" b="1" dirty="0" smtClean="0">
+                <a:solidFill>
+                  <a:schemeClr val="accent5">
+                    <a:lumMod val="50000"/>
+                  </a:schemeClr>
+                </a:solidFill>
+              </a:rPr>
+              <a:t>Louise</a:t>
+            </a:r>
+          </a:p>
+          <a:p>
+            <a:endParaRPr lang="en-US" sz="3000" b="1" dirty="0" smtClean="0">
+              <a:solidFill>
+                <a:schemeClr val="accent5">
+                  <a:lumMod val="50000"/>
+                </a:schemeClr>
+              </a:solidFill>
+            </a:endParaRPr>
+          </a:p>
+          <a:p>
+            <a:r>
+              <a:rPr lang="en-US" sz="3000" b="1" dirty="0" err="1" smtClean="0">
+                <a:solidFill>
+                  <a:schemeClr val="accent5">
+                    <a:lumMod val="50000"/>
+                  </a:schemeClr>
+                </a:solidFill>
+              </a:rPr>
               <a:t>Soliveres</a:t>
             </a:r>
             <a:r>
-              <a:rPr lang="en-US" sz="3000" dirty="0" smtClean="0"/>
+              <a:rPr lang="en-US" sz="3000" b="1" dirty="0" smtClean="0">
+                <a:solidFill>
+                  <a:schemeClr val="accent5">
+                    <a:lumMod val="50000"/>
+                  </a:schemeClr>
+                </a:solidFill>
+              </a:rPr>
               <a:t>, </a:t>
             </a:r>
             <a:r>
-              <a:rPr lang="en-US" sz="3000" dirty="0" err="1" smtClean="0"/>
+              <a:rPr lang="en-US" sz="3000" b="1" dirty="0" err="1" smtClean="0">
+                <a:solidFill>
+                  <a:schemeClr val="accent5">
+                    <a:lumMod val="50000"/>
+                  </a:schemeClr>
+                </a:solidFill>
+              </a:rPr>
               <a:t>Eunel</a:t>
             </a:r>
-            <a:endParaRPr lang="en-US" sz="3000" dirty="0"/>
+            <a:endParaRPr lang="en-US" sz="3000" b="1" dirty="0">
+              <a:solidFill>
+                <a:schemeClr val="accent5">
+                  <a:lumMod val="50000"/>
+                </a:schemeClr>
+              </a:solidFill>
+            </a:endParaRPr>
           </a:p>
         </p:txBody>
       </p:sp>
     </p:spTree>
     <p:extLst>
       <p:ext uri="{BB962C8B-B14F-4D97-AF65-F5344CB8AC3E}">
-        <p14:creationId xmlns:p14="http://schemas.microsoft.com/office/powerpoint/2010/main" val="81568627"/>
+        <p14:creationId xmlns:p14="http://schemas.microsoft.com/office/powerpoint/2010/main" xmlns="" val="81568627"/>
       </p:ext>
     </p:extLst>
+  </p:cSld>
+  <p:clrMapOvr>
+    <a:masterClrMapping/>
+  </p:clrMapOvr>
+</p:sld>
+</file>
+
+<file path=ppt/slides/slide10.xml><?xml version="1.0" encoding="utf-8"?>
+<p:sld xmlns:a="http://schemas.openxmlformats.org/drawingml/2006/main" xmlns:r="http://schemas.openxmlformats.org/officeDocument/2006/relationships" xmlns:p="http://schemas.openxmlformats.org/presentationml/2006/main">
+  <p:cSld>
+    <p:spTree>
+      <p:nvGrpSpPr>
+        <p:cNvPr id="1" name=""/>
+        <p:cNvGrpSpPr/>
+        <p:nvPr/>
+      </p:nvGrpSpPr>
+      <p:grpSpPr>
+        <a:xfrm>
+          <a:off x="0" y="0"/>
+          <a:ext cx="0" cy="0"/>
+          <a:chOff x="0" y="0"/>
+          <a:chExt cx="0" cy="0"/>
+        </a:xfrm>
+      </p:grpSpPr>
+      <p:sp>
+        <p:nvSpPr>
+          <p:cNvPr id="2" name="Title 1"/>
+          <p:cNvSpPr>
+            <a:spLocks noGrp="1"/>
+          </p:cNvSpPr>
+          <p:nvPr>
+            <p:ph type="title"/>
+          </p:nvPr>
+        </p:nvSpPr>
+        <p:spPr>
+          <a:xfrm>
+            <a:off x="914400" y="381001"/>
+            <a:ext cx="7315200" cy="1295399"/>
+          </a:xfrm>
+        </p:spPr>
+        <p:txBody>
+          <a:bodyPr/>
+          <a:lstStyle/>
+          <a:p>
+            <a:r>
+              <a:rPr lang="en-US" dirty="0" smtClean="0"/>
+              <a:t>#CULTURANGPILIPINAS</a:t>
+            </a:r>
+            <a:endParaRPr lang="en-US" dirty="0"/>
+          </a:p>
+        </p:txBody>
+      </p:sp>
+      <p:sp>
+        <p:nvSpPr>
+          <p:cNvPr id="3" name="Content Placeholder 2"/>
+          <p:cNvSpPr>
+            <a:spLocks noGrp="1"/>
+          </p:cNvSpPr>
+          <p:nvPr>
+            <p:ph idx="1"/>
+          </p:nvPr>
+        </p:nvSpPr>
+        <p:spPr>
+          <a:xfrm>
+            <a:off x="914400" y="1828801"/>
+            <a:ext cx="7315200" cy="4480560"/>
+          </a:xfrm>
+        </p:spPr>
+        <p:txBody>
+          <a:bodyPr>
+            <a:normAutofit/>
+          </a:bodyPr>
+          <a:lstStyle/>
+          <a:p>
+            <a:r>
+              <a:rPr lang="en-US" sz="3000" dirty="0" smtClean="0"/>
+              <a:t>This site would be very useful in promoting nation building as it keeps our own people and family close to our “already diverse” </a:t>
+            </a:r>
+            <a:r>
+              <a:rPr lang="en-US" sz="3000" smtClean="0"/>
+              <a:t>Filipino culture</a:t>
+            </a:r>
+            <a:endParaRPr lang="en-US" sz="3000" dirty="0"/>
+          </a:p>
+        </p:txBody>
+      </p:sp>
+    </p:spTree>
+    <p:extLst>
+      <p:ext uri="{BB962C8B-B14F-4D97-AF65-F5344CB8AC3E}">
+        <p14:creationId xmlns:p14="http://schemas.microsoft.com/office/powerpoint/2010/main" xmlns="" val="1424355746"/>
+      </p:ext>
+    </p:extLst>
+  </p:cSld>
+  <p:clrMapOvr>
+    <a:masterClrMapping/>
+  </p:clrMapOvr>
+</p:sld>
+</file>
+
+<file path=ppt/slides/slide11.xml><?xml version="1.0" encoding="utf-8"?>
+<p:sld xmlns:a="http://schemas.openxmlformats.org/drawingml/2006/main" xmlns:r="http://schemas.openxmlformats.org/officeDocument/2006/relationships" xmlns:p="http://schemas.openxmlformats.org/presentationml/2006/main">
+  <p:cSld>
+    <p:spTree>
+      <p:nvGrpSpPr>
+        <p:cNvPr id="1" name=""/>
+        <p:cNvGrpSpPr/>
+        <p:nvPr/>
+      </p:nvGrpSpPr>
+      <p:grpSpPr>
+        <a:xfrm>
+          <a:off x="0" y="0"/>
+          <a:ext cx="0" cy="0"/>
+          <a:chOff x="0" y="0"/>
+          <a:chExt cx="0" cy="0"/>
+        </a:xfrm>
+      </p:grpSpPr>
+      <p:sp>
+        <p:nvSpPr>
+          <p:cNvPr id="2" name="Title 1"/>
+          <p:cNvSpPr>
+            <a:spLocks noGrp="1"/>
+          </p:cNvSpPr>
+          <p:nvPr>
+            <p:ph type="title"/>
+          </p:nvPr>
+        </p:nvSpPr>
+        <p:spPr/>
+        <p:txBody>
+          <a:bodyPr/>
+          <a:lstStyle/>
+          <a:p>
+            <a:endParaRPr lang="en-PH"/>
+          </a:p>
+        </p:txBody>
+      </p:sp>
+      <p:pic>
+        <p:nvPicPr>
+          <p:cNvPr id="6" name="Content Placeholder 5" descr="3.jpg"/>
+          <p:cNvPicPr>
+            <a:picLocks noGrp="1" noChangeAspect="1"/>
+          </p:cNvPicPr>
+          <p:nvPr>
+            <p:ph idx="1"/>
+          </p:nvPr>
+        </p:nvPicPr>
+        <p:blipFill>
+          <a:blip r:embed="rId2" cstate="print"/>
+          <a:stretch>
+            <a:fillRect/>
+          </a:stretch>
+        </p:blipFill>
+        <p:spPr>
+          <a:xfrm>
+            <a:off x="1752600" y="838200"/>
+            <a:ext cx="5715000" cy="5232797"/>
+          </a:xfrm>
+        </p:spPr>
+      </p:pic>
+    </p:spTree>
   </p:cSld>
   <p:clrMapOvr>
     <a:masterClrMapping/>
@@ -3285,7 +3644,7 @@
         </p:nvSpPr>
         <p:spPr>
           <a:xfrm>
-            <a:off x="914400" y="381001"/>
+            <a:off x="914400" y="0"/>
             <a:ext cx="7315200" cy="1295399"/>
           </a:xfrm>
         </p:spPr>
@@ -3313,7 +3672,7 @@
         </p:nvSpPr>
         <p:spPr>
           <a:xfrm>
-            <a:off x="914400" y="1828801"/>
+            <a:off x="914400" y="1219200"/>
             <a:ext cx="7315200" cy="4480560"/>
           </a:xfrm>
         </p:spPr>
@@ -3325,10 +3684,12 @@
           <a:p>
             <a:r>
               <a:rPr lang="en-US" sz="3000" dirty="0" smtClean="0"/>
-              <a:t>These days less and less of our Filipino brothers  and sisters care about upholding our own different cultures</a:t>
-            </a:r>
-          </a:p>
-          <a:p>
+              <a:t>These days less and less of our Filipino brothers  and sisters care about upholding our own different </a:t>
+            </a:r>
+            <a:r>
+              <a:rPr lang="en-US" sz="3000" dirty="0" smtClean="0"/>
+              <a:t>cultures</a:t>
+            </a:r>
             <a:endParaRPr lang="en-US" sz="3000" dirty="0"/>
           </a:p>
           <a:p>
@@ -3340,10 +3701,34 @@
           </a:p>
         </p:txBody>
       </p:sp>
+      <p:pic>
+        <p:nvPicPr>
+          <p:cNvPr id="4" name="Picture 3" descr="oo.png"/>
+          <p:cNvPicPr>
+            <a:picLocks noChangeAspect="1"/>
+          </p:cNvPicPr>
+          <p:nvPr/>
+        </p:nvPicPr>
+        <p:blipFill>
+          <a:blip r:embed="rId2" cstate="print"/>
+          <a:stretch>
+            <a:fillRect/>
+          </a:stretch>
+        </p:blipFill>
+        <p:spPr>
+          <a:xfrm>
+            <a:off x="3124200" y="4191000"/>
+            <a:ext cx="5600700" cy="2400300"/>
+          </a:xfrm>
+          <a:prstGeom prst="rect">
+            <a:avLst/>
+          </a:prstGeom>
+        </p:spPr>
+      </p:pic>
     </p:spTree>
     <p:extLst>
       <p:ext uri="{BB962C8B-B14F-4D97-AF65-F5344CB8AC3E}">
-        <p14:creationId xmlns:p14="http://schemas.microsoft.com/office/powerpoint/2010/main" val="3290909969"/>
+        <p14:creationId xmlns:p14="http://schemas.microsoft.com/office/powerpoint/2010/main" xmlns="" val="3290909969"/>
       </p:ext>
     </p:extLst>
   </p:cSld>
@@ -3445,7 +3830,7 @@
     </p:spTree>
     <p:extLst>
       <p:ext uri="{BB962C8B-B14F-4D97-AF65-F5344CB8AC3E}">
-        <p14:creationId xmlns:p14="http://schemas.microsoft.com/office/powerpoint/2010/main" val="2992554713"/>
+        <p14:creationId xmlns:p14="http://schemas.microsoft.com/office/powerpoint/2010/main" xmlns="" val="2992554713"/>
       </p:ext>
     </p:extLst>
   </p:cSld>
@@ -3482,72 +3867,39 @@
             <p:ph type="title"/>
           </p:nvPr>
         </p:nvSpPr>
+        <p:spPr/>
+        <p:txBody>
+          <a:bodyPr/>
+          <a:lstStyle/>
+          <a:p>
+            <a:endParaRPr lang="en-PH"/>
+          </a:p>
+        </p:txBody>
+      </p:sp>
+      <p:pic>
+        <p:nvPicPr>
+          <p:cNvPr id="4" name="Content Placeholder 3" descr="1.jpg"/>
+          <p:cNvPicPr>
+            <a:picLocks noGrp="1" noChangeAspect="1"/>
+          </p:cNvPicPr>
+          <p:nvPr>
+            <p:ph idx="1"/>
+          </p:nvPr>
+        </p:nvPicPr>
+        <p:blipFill>
+          <a:blip r:embed="rId2" cstate="print"/>
+          <a:stretch>
+            <a:fillRect/>
+          </a:stretch>
+        </p:blipFill>
         <p:spPr>
           <a:xfrm>
-            <a:off x="914400" y="381001"/>
-            <a:ext cx="7315200" cy="1295399"/>
+            <a:off x="0" y="0"/>
+            <a:ext cx="9158310" cy="6858000"/>
           </a:xfrm>
         </p:spPr>
-        <p:txBody>
-          <a:bodyPr/>
-          <a:lstStyle/>
-          <a:p>
-            <a:r>
-              <a:rPr lang="en-US" dirty="0" smtClean="0"/>
-              <a:t>PROBLEMS TO ANSWER :</a:t>
-            </a:r>
-            <a:endParaRPr lang="en-US" dirty="0"/>
-          </a:p>
-        </p:txBody>
-      </p:sp>
-      <p:sp>
-        <p:nvSpPr>
-          <p:cNvPr id="3" name="Content Placeholder 2"/>
-          <p:cNvSpPr>
-            <a:spLocks noGrp="1"/>
-          </p:cNvSpPr>
-          <p:nvPr>
-            <p:ph idx="1"/>
-          </p:nvPr>
-        </p:nvSpPr>
-        <p:spPr>
-          <a:xfrm>
-            <a:off x="914400" y="1828801"/>
-            <a:ext cx="7315200" cy="4480560"/>
-          </a:xfrm>
-        </p:spPr>
-        <p:txBody>
-          <a:bodyPr>
-            <a:normAutofit/>
-          </a:bodyPr>
-          <a:lstStyle/>
-          <a:p>
-            <a:pPr marL="45720" indent="0">
-              <a:buNone/>
-            </a:pPr>
-            <a:endParaRPr lang="en-US" sz="3000" dirty="0" smtClean="0"/>
-          </a:p>
-          <a:p>
-            <a:pPr marL="45720" indent="0">
-              <a:buNone/>
-            </a:pPr>
-            <a:r>
-              <a:rPr lang="en-US" sz="3000" dirty="0" smtClean="0"/>
-              <a:t>How do we make Filipinos remember their own cultural roots before mingling with others, while at the same time also spreading ours to others? </a:t>
-            </a:r>
-            <a:endParaRPr lang="en-US" sz="3000" dirty="0"/>
-          </a:p>
-          <a:p>
-            <a:endParaRPr lang="en-US" sz="3000" dirty="0"/>
-          </a:p>
-        </p:txBody>
-      </p:sp>
+      </p:pic>
     </p:spTree>
-    <p:extLst>
-      <p:ext uri="{BB962C8B-B14F-4D97-AF65-F5344CB8AC3E}">
-        <p14:creationId xmlns:p14="http://schemas.microsoft.com/office/powerpoint/2010/main" val="780001552"/>
-      </p:ext>
-    </p:extLst>
   </p:cSld>
   <p:clrMapOvr>
     <a:masterClrMapping/>
@@ -3582,60 +3934,39 @@
             <p:ph type="title"/>
           </p:nvPr>
         </p:nvSpPr>
+        <p:spPr/>
+        <p:txBody>
+          <a:bodyPr/>
+          <a:lstStyle/>
+          <a:p>
+            <a:endParaRPr lang="en-PH"/>
+          </a:p>
+        </p:txBody>
+      </p:sp>
+      <p:pic>
+        <p:nvPicPr>
+          <p:cNvPr id="6" name="Content Placeholder 5" descr="4.jpg"/>
+          <p:cNvPicPr>
+            <a:picLocks noGrp="1" noChangeAspect="1"/>
+          </p:cNvPicPr>
+          <p:nvPr>
+            <p:ph idx="1"/>
+          </p:nvPr>
+        </p:nvPicPr>
+        <p:blipFill>
+          <a:blip r:embed="rId2" cstate="print"/>
+          <a:stretch>
+            <a:fillRect/>
+          </a:stretch>
+        </p:blipFill>
         <p:spPr>
           <a:xfrm>
-            <a:off x="914400" y="381001"/>
-            <a:ext cx="7315200" cy="1295399"/>
+            <a:off x="0" y="0"/>
+            <a:ext cx="9187064" cy="6858001"/>
           </a:xfrm>
         </p:spPr>
-        <p:txBody>
-          <a:bodyPr/>
-          <a:lstStyle/>
-          <a:p>
-            <a:r>
-              <a:rPr lang="en-US" dirty="0" smtClean="0"/>
-              <a:t>ANSWERS</a:t>
-            </a:r>
-            <a:endParaRPr lang="en-US" dirty="0"/>
-          </a:p>
-        </p:txBody>
-      </p:sp>
-      <p:sp>
-        <p:nvSpPr>
-          <p:cNvPr id="3" name="Content Placeholder 2"/>
-          <p:cNvSpPr>
-            <a:spLocks noGrp="1"/>
-          </p:cNvSpPr>
-          <p:nvPr>
-            <p:ph idx="1"/>
-          </p:nvPr>
-        </p:nvSpPr>
-        <p:spPr>
-          <a:xfrm>
-            <a:off x="914400" y="1828801"/>
-            <a:ext cx="7315200" cy="4480560"/>
-          </a:xfrm>
-        </p:spPr>
-        <p:txBody>
-          <a:bodyPr>
-            <a:normAutofit/>
-          </a:bodyPr>
-          <a:lstStyle/>
-          <a:p>
-            <a:r>
-              <a:rPr lang="en-US" sz="3000" dirty="0" smtClean="0"/>
-              <a:t>We made a site, that will be a reminder for us Filipinos to look and live our own culture while still loving others.</a:t>
-            </a:r>
-            <a:endParaRPr lang="en-US" sz="3000" dirty="0"/>
-          </a:p>
-        </p:txBody>
-      </p:sp>
+      </p:pic>
     </p:spTree>
-    <p:extLst>
-      <p:ext uri="{BB962C8B-B14F-4D97-AF65-F5344CB8AC3E}">
-        <p14:creationId xmlns:p14="http://schemas.microsoft.com/office/powerpoint/2010/main" val="780001552"/>
-      </p:ext>
-    </p:extLst>
   </p:cSld>
   <p:clrMapOvr>
     <a:masterClrMapping/>
@@ -3682,7 +4013,7 @@
           <a:p>
             <a:r>
               <a:rPr lang="en-US" dirty="0" smtClean="0"/>
-              <a:t>#CULTURANGPILIPINAS</a:t>
+              <a:t>PROBLEMS TO ANSWER :</a:t>
             </a:r>
             <a:endParaRPr lang="en-US" dirty="0"/>
           </a:p>
@@ -3706,32 +4037,24 @@
         </p:spPr>
         <p:txBody>
           <a:bodyPr>
-            <a:normAutofit fontScale="92500" lnSpcReduction="10000"/>
+            <a:normAutofit/>
           </a:bodyPr>
           <a:lstStyle/>
           <a:p>
+            <a:pPr marL="45720" indent="0">
+              <a:buNone/>
+            </a:pPr>
+            <a:endParaRPr lang="en-US" sz="3000" dirty="0" smtClean="0"/>
+          </a:p>
+          <a:p>
+            <a:pPr marL="45720" indent="0">
+              <a:buNone/>
+            </a:pPr>
             <a:r>
               <a:rPr lang="en-US" sz="3000" dirty="0" smtClean="0"/>
-              <a:t>Our site shows the exact date of Filipino Fiestas (Festival)</a:t>
-            </a:r>
-          </a:p>
-          <a:p>
+              <a:t>How do we make Filipinos remember their own cultural roots before mingling with others, while at the same time also spreading ours to others? </a:t>
+            </a:r>
             <a:endParaRPr lang="en-US" sz="3000" dirty="0"/>
-          </a:p>
-          <a:p>
-            <a:r>
-              <a:rPr lang="en-US" sz="3000" dirty="0" smtClean="0"/>
-              <a:t>It is soon possible to make mobile applications to notify our fellow Filipinos when its time to celebrate our cultures</a:t>
-            </a:r>
-          </a:p>
-          <a:p>
-            <a:endParaRPr lang="en-US" sz="3000" dirty="0"/>
-          </a:p>
-          <a:p>
-            <a:r>
-              <a:rPr lang="en-US" sz="3000" dirty="0" smtClean="0"/>
-              <a:t>Other than notifications it will be possible to make threads and events to gather Filipinos to celebrate</a:t>
-            </a:r>
           </a:p>
           <a:p>
             <a:endParaRPr lang="en-US" sz="3000" dirty="0"/>
@@ -3741,7 +4064,7 @@
     </p:spTree>
     <p:extLst>
       <p:ext uri="{BB962C8B-B14F-4D97-AF65-F5344CB8AC3E}">
-        <p14:creationId xmlns:p14="http://schemas.microsoft.com/office/powerpoint/2010/main" val="3134002677"/>
+        <p14:creationId xmlns:p14="http://schemas.microsoft.com/office/powerpoint/2010/main" xmlns="" val="780001552"/>
       </p:ext>
     </p:extLst>
   </p:cSld>
@@ -3790,7 +4113,7 @@
           <a:p>
             <a:r>
               <a:rPr lang="en-US" dirty="0" smtClean="0"/>
-              <a:t>#CULTURANGPILIPINAS</a:t>
+              <a:t>ANSWERS</a:t>
             </a:r>
             <a:endParaRPr lang="en-US" dirty="0"/>
           </a:p>
@@ -3820,11 +4143,7 @@
           <a:p>
             <a:r>
               <a:rPr lang="en-US" sz="3000" dirty="0" smtClean="0"/>
-              <a:t>This site would be very useful in promoting nation building as it keeps our own people and family close to our “already diverse” </a:t>
-            </a:r>
-            <a:r>
-              <a:rPr lang="en-US" sz="3000" smtClean="0"/>
-              <a:t>Filipino culture</a:t>
+              <a:t>We made a site, that will be a reminder for us Filipinos to look and live our own culture while still loving others.</a:t>
             </a:r>
             <a:endParaRPr lang="en-US" sz="3000" dirty="0"/>
           </a:p>
@@ -3833,7 +4152,182 @@
     </p:spTree>
     <p:extLst>
       <p:ext uri="{BB962C8B-B14F-4D97-AF65-F5344CB8AC3E}">
-        <p14:creationId xmlns:p14="http://schemas.microsoft.com/office/powerpoint/2010/main" val="1424355746"/>
+        <p14:creationId xmlns:p14="http://schemas.microsoft.com/office/powerpoint/2010/main" xmlns="" val="780001552"/>
+      </p:ext>
+    </p:extLst>
+  </p:cSld>
+  <p:clrMapOvr>
+    <a:masterClrMapping/>
+  </p:clrMapOvr>
+</p:sld>
+</file>
+
+<file path=ppt/slides/slide8.xml><?xml version="1.0" encoding="utf-8"?>
+<p:sld xmlns:a="http://schemas.openxmlformats.org/drawingml/2006/main" xmlns:r="http://schemas.openxmlformats.org/officeDocument/2006/relationships" xmlns:p="http://schemas.openxmlformats.org/presentationml/2006/main">
+  <p:cSld>
+    <p:spTree>
+      <p:nvGrpSpPr>
+        <p:cNvPr id="1" name=""/>
+        <p:cNvGrpSpPr/>
+        <p:nvPr/>
+      </p:nvGrpSpPr>
+      <p:grpSpPr>
+        <a:xfrm>
+          <a:off x="0" y="0"/>
+          <a:ext cx="0" cy="0"/>
+          <a:chOff x="0" y="0"/>
+          <a:chExt cx="0" cy="0"/>
+        </a:xfrm>
+      </p:grpSpPr>
+      <p:sp>
+        <p:nvSpPr>
+          <p:cNvPr id="2" name="Title 1"/>
+          <p:cNvSpPr>
+            <a:spLocks noGrp="1"/>
+          </p:cNvSpPr>
+          <p:nvPr>
+            <p:ph type="title"/>
+          </p:nvPr>
+        </p:nvSpPr>
+        <p:spPr/>
+        <p:txBody>
+          <a:bodyPr/>
+          <a:lstStyle/>
+          <a:p>
+            <a:endParaRPr lang="en-PH"/>
+          </a:p>
+        </p:txBody>
+      </p:sp>
+      <p:pic>
+        <p:nvPicPr>
+          <p:cNvPr id="6" name="Content Placeholder 5" descr="2.jpg"/>
+          <p:cNvPicPr>
+            <a:picLocks noGrp="1" noChangeAspect="1"/>
+          </p:cNvPicPr>
+          <p:nvPr>
+            <p:ph idx="1"/>
+          </p:nvPr>
+        </p:nvPicPr>
+        <p:blipFill>
+          <a:blip r:embed="rId2" cstate="print"/>
+          <a:stretch>
+            <a:fillRect/>
+          </a:stretch>
+        </p:blipFill>
+        <p:spPr>
+          <a:xfrm>
+            <a:off x="0" y="0"/>
+            <a:ext cx="9158310" cy="6858001"/>
+          </a:xfrm>
+        </p:spPr>
+      </p:pic>
+    </p:spTree>
+  </p:cSld>
+  <p:clrMapOvr>
+    <a:masterClrMapping/>
+  </p:clrMapOvr>
+</p:sld>
+</file>
+
+<file path=ppt/slides/slide9.xml><?xml version="1.0" encoding="utf-8"?>
+<p:sld xmlns:a="http://schemas.openxmlformats.org/drawingml/2006/main" xmlns:r="http://schemas.openxmlformats.org/officeDocument/2006/relationships" xmlns:p="http://schemas.openxmlformats.org/presentationml/2006/main">
+  <p:cSld>
+    <p:spTree>
+      <p:nvGrpSpPr>
+        <p:cNvPr id="1" name=""/>
+        <p:cNvGrpSpPr/>
+        <p:nvPr/>
+      </p:nvGrpSpPr>
+      <p:grpSpPr>
+        <a:xfrm>
+          <a:off x="0" y="0"/>
+          <a:ext cx="0" cy="0"/>
+          <a:chOff x="0" y="0"/>
+          <a:chExt cx="0" cy="0"/>
+        </a:xfrm>
+      </p:grpSpPr>
+      <p:sp>
+        <p:nvSpPr>
+          <p:cNvPr id="2" name="Title 1"/>
+          <p:cNvSpPr>
+            <a:spLocks noGrp="1"/>
+          </p:cNvSpPr>
+          <p:nvPr>
+            <p:ph type="title"/>
+          </p:nvPr>
+        </p:nvSpPr>
+        <p:spPr>
+          <a:xfrm>
+            <a:off x="914400" y="381001"/>
+            <a:ext cx="7315200" cy="1295399"/>
+          </a:xfrm>
+        </p:spPr>
+        <p:txBody>
+          <a:bodyPr/>
+          <a:lstStyle/>
+          <a:p>
+            <a:r>
+              <a:rPr lang="en-US" dirty="0" smtClean="0"/>
+              <a:t>#CULTURANGPILIPINAS</a:t>
+            </a:r>
+            <a:endParaRPr lang="en-US" dirty="0"/>
+          </a:p>
+        </p:txBody>
+      </p:sp>
+      <p:sp>
+        <p:nvSpPr>
+          <p:cNvPr id="3" name="Content Placeholder 2"/>
+          <p:cNvSpPr>
+            <a:spLocks noGrp="1"/>
+          </p:cNvSpPr>
+          <p:nvPr>
+            <p:ph idx="1"/>
+          </p:nvPr>
+        </p:nvSpPr>
+        <p:spPr>
+          <a:xfrm>
+            <a:off x="914400" y="1828801"/>
+            <a:ext cx="7315200" cy="4480560"/>
+          </a:xfrm>
+        </p:spPr>
+        <p:txBody>
+          <a:bodyPr>
+            <a:normAutofit fontScale="92500" lnSpcReduction="10000"/>
+          </a:bodyPr>
+          <a:lstStyle/>
+          <a:p>
+            <a:r>
+              <a:rPr lang="en-US" sz="3000" dirty="0" smtClean="0"/>
+              <a:t>Our site shows the exact date of Filipino Fiestas (Festival)</a:t>
+            </a:r>
+          </a:p>
+          <a:p>
+            <a:endParaRPr lang="en-US" sz="3000" dirty="0"/>
+          </a:p>
+          <a:p>
+            <a:r>
+              <a:rPr lang="en-US" sz="3000" dirty="0" smtClean="0"/>
+              <a:t>It is soon possible to make mobile applications to notify our fellow Filipinos when its time to celebrate our cultures</a:t>
+            </a:r>
+          </a:p>
+          <a:p>
+            <a:endParaRPr lang="en-US" sz="3000" dirty="0"/>
+          </a:p>
+          <a:p>
+            <a:r>
+              <a:rPr lang="en-US" sz="3000" dirty="0" smtClean="0"/>
+              <a:t>Other than notifications it will be possible to make threads and events to gather Filipinos to celebrate</a:t>
+            </a:r>
+          </a:p>
+          <a:p>
+            <a:endParaRPr lang="en-US" sz="3000" dirty="0"/>
+          </a:p>
+        </p:txBody>
+      </p:sp>
+    </p:spTree>
+    <p:extLst>
+      <p:ext uri="{BB962C8B-B14F-4D97-AF65-F5344CB8AC3E}">
+        <p14:creationId xmlns:p14="http://schemas.microsoft.com/office/powerpoint/2010/main" xmlns="" val="3134002677"/>
       </p:ext>
     </p:extLst>
   </p:cSld>
